--- a/bs05-01-Introduction.pptx
+++ b/bs05-01-Introduction.pptx
@@ -364,7 +364,7 @@
             <a:fld id="{1D8BD707-D9CF-40AE-B4C6-C98DA3205C09}" type="datetimeFigureOut">
               <a:rPr lang="en-US" smtClean="0"/>
               <a:pPr/>
-              <a:t>4/7/2022</a:t>
+              <a:t>7/18/2022</a:t>
             </a:fld>
             <a:endParaRPr lang="en-US" dirty="0"/>
           </a:p>
@@ -544,7 +544,7 @@
             <a:fld id="{1D8BD707-D9CF-40AE-B4C6-C98DA3205C09}" type="datetimeFigureOut">
               <a:rPr lang="en-US" smtClean="0"/>
               <a:pPr/>
-              <a:t>4/7/2022</a:t>
+              <a:t>7/18/2022</a:t>
             </a:fld>
             <a:endParaRPr lang="en-US" dirty="0"/>
           </a:p>
@@ -720,7 +720,7 @@
             <a:fld id="{1D8BD707-D9CF-40AE-B4C6-C98DA3205C09}" type="datetimeFigureOut">
               <a:rPr lang="en-US" smtClean="0"/>
               <a:pPr/>
-              <a:t>4/7/2022</a:t>
+              <a:t>7/18/2022</a:t>
             </a:fld>
             <a:endParaRPr lang="en-US" dirty="0"/>
           </a:p>
@@ -907,7 +907,7 @@
             <a:fld id="{1D8BD707-D9CF-40AE-B4C6-C98DA3205C09}" type="datetimeFigureOut">
               <a:rPr lang="en-US" smtClean="0"/>
               <a:pPr/>
-              <a:t>4/7/2022</a:t>
+              <a:t>7/18/2022</a:t>
             </a:fld>
             <a:endParaRPr lang="en-US" dirty="0"/>
           </a:p>
@@ -1028,7 +1028,7 @@
             <a:fld id="{1D8BD707-D9CF-40AE-B4C6-C98DA3205C09}" type="datetimeFigureOut">
               <a:rPr lang="en-US" smtClean="0"/>
               <a:pPr/>
-              <a:t>4/7/2022</a:t>
+              <a:t>7/18/2022</a:t>
             </a:fld>
             <a:endParaRPr lang="en-US" dirty="0"/>
           </a:p>
@@ -1410,7 +1410,7 @@
             <a:fld id="{1D8BD707-D9CF-40AE-B4C6-C98DA3205C09}" type="datetimeFigureOut">
               <a:rPr lang="en-US" smtClean="0"/>
               <a:pPr/>
-              <a:t>4/7/2022</a:t>
+              <a:t>7/18/2022</a:t>
             </a:fld>
             <a:endParaRPr lang="en-US" dirty="0"/>
           </a:p>
@@ -1849,7 +1849,7 @@
             <a:fld id="{1D8BD707-D9CF-40AE-B4C6-C98DA3205C09}" type="datetimeFigureOut">
               <a:rPr lang="en-US" smtClean="0"/>
               <a:pPr/>
-              <a:t>4/7/2022</a:t>
+              <a:t>7/18/2022</a:t>
             </a:fld>
             <a:endParaRPr lang="en-US" dirty="0"/>
           </a:p>
@@ -1969,7 +1969,7 @@
             <a:fld id="{1D8BD707-D9CF-40AE-B4C6-C98DA3205C09}" type="datetimeFigureOut">
               <a:rPr lang="en-US" smtClean="0"/>
               <a:pPr/>
-              <a:t>4/7/2022</a:t>
+              <a:t>7/18/2022</a:t>
             </a:fld>
             <a:endParaRPr lang="en-US" dirty="0"/>
           </a:p>
@@ -2061,7 +2061,7 @@
             <a:fld id="{1D8BD707-D9CF-40AE-B4C6-C98DA3205C09}" type="datetimeFigureOut">
               <a:rPr lang="en-US" smtClean="0"/>
               <a:pPr/>
-              <a:t>4/7/2022</a:t>
+              <a:t>7/18/2022</a:t>
             </a:fld>
             <a:endParaRPr lang="en-US" dirty="0"/>
           </a:p>
@@ -2347,7 +2347,7 @@
             <a:fld id="{1D8BD707-D9CF-40AE-B4C6-C98DA3205C09}" type="datetimeFigureOut">
               <a:rPr lang="en-US" smtClean="0"/>
               <a:pPr/>
-              <a:t>4/7/2022</a:t>
+              <a:t>7/18/2022</a:t>
             </a:fld>
             <a:endParaRPr lang="en-US" dirty="0"/>
           </a:p>
@@ -2610,7 +2610,7 @@
             <a:fld id="{1D8BD707-D9CF-40AE-B4C6-C98DA3205C09}" type="datetimeFigureOut">
               <a:rPr lang="en-US" smtClean="0"/>
               <a:pPr/>
-              <a:t>4/7/2022</a:t>
+              <a:t>7/18/2022</a:t>
             </a:fld>
             <a:endParaRPr lang="en-US" dirty="0"/>
           </a:p>
@@ -2888,7 +2888,7 @@
             <a:fld id="{1D8BD707-D9CF-40AE-B4C6-C98DA3205C09}" type="datetimeFigureOut">
               <a:rPr lang="en-US" smtClean="0"/>
               <a:pPr/>
-              <a:t>4/7/2022</a:t>
+              <a:t>7/18/2022</a:t>
             </a:fld>
             <a:endParaRPr lang="en-US" dirty="0"/>
           </a:p>
@@ -3359,7 +3359,7 @@
           <a:p>
             <a:r>
               <a:rPr lang="he-IL" sz="4000" dirty="0"/>
-              <a:t>בניית אתרים בעזרת</a:t>
+              <a:t>עיצוב אתרים בעזרת</a:t>
             </a:r>
             <a:br>
               <a:rPr lang="en-US" sz="4000" dirty="0"/>
@@ -8473,7 +8473,7 @@
             </a:pPr>
             <a:r>
               <a:rPr lang="he-IL" sz="3200" dirty="0"/>
-              <a:t>ספרייה המאפשרת לנו לבנות אתרי אינטרנט מאובזרים.</a:t>
+              <a:t>ספרייה המאפשרת לנו לעַצֵב אתרי אינטרנט מאובזרים.</a:t>
             </a:r>
           </a:p>
           <a:p>
